--- a/Module1/architecture.pptx
+++ b/Module1/architecture.pptx
@@ -104,6 +104,11 @@
       </a:defRPr>
     </a:lvl9pPr>
   </p:defaultTextStyle>
+  <p:extLst>
+    <p:ext uri="{EFAFB233-063F-42B5-8137-9DF3F51BA10A}">
+      <p15:sldGuideLst xmlns:p15="http://schemas.microsoft.com/office/powerpoint/2012/main"/>
+    </p:ext>
+  </p:extLst>
 </p:presentation>
 </file>
 
@@ -254,7 +259,7 @@
           <a:p>
             <a:fld id="{C3C0AEFA-DB39-4030-B46D-B4956C70491D}" type="datetimeFigureOut">
               <a:rPr lang="ru-RU" smtClean="0"/>
-              <a:t>30.08.2020</a:t>
+              <a:t>31.08.2020</a:t>
             </a:fld>
             <a:endParaRPr lang="ru-RU"/>
           </a:p>
@@ -452,7 +457,7 @@
           <a:p>
             <a:fld id="{C3C0AEFA-DB39-4030-B46D-B4956C70491D}" type="datetimeFigureOut">
               <a:rPr lang="ru-RU" smtClean="0"/>
-              <a:t>30.08.2020</a:t>
+              <a:t>31.08.2020</a:t>
             </a:fld>
             <a:endParaRPr lang="ru-RU"/>
           </a:p>
@@ -660,7 +665,7 @@
           <a:p>
             <a:fld id="{C3C0AEFA-DB39-4030-B46D-B4956C70491D}" type="datetimeFigureOut">
               <a:rPr lang="ru-RU" smtClean="0"/>
-              <a:t>30.08.2020</a:t>
+              <a:t>31.08.2020</a:t>
             </a:fld>
             <a:endParaRPr lang="ru-RU"/>
           </a:p>
@@ -858,7 +863,7 @@
           <a:p>
             <a:fld id="{C3C0AEFA-DB39-4030-B46D-B4956C70491D}" type="datetimeFigureOut">
               <a:rPr lang="ru-RU" smtClean="0"/>
-              <a:t>30.08.2020</a:t>
+              <a:t>31.08.2020</a:t>
             </a:fld>
             <a:endParaRPr lang="ru-RU"/>
           </a:p>
@@ -1133,7 +1138,7 @@
           <a:p>
             <a:fld id="{C3C0AEFA-DB39-4030-B46D-B4956C70491D}" type="datetimeFigureOut">
               <a:rPr lang="ru-RU" smtClean="0"/>
-              <a:t>30.08.2020</a:t>
+              <a:t>31.08.2020</a:t>
             </a:fld>
             <a:endParaRPr lang="ru-RU"/>
           </a:p>
@@ -1398,7 +1403,7 @@
           <a:p>
             <a:fld id="{C3C0AEFA-DB39-4030-B46D-B4956C70491D}" type="datetimeFigureOut">
               <a:rPr lang="ru-RU" smtClean="0"/>
-              <a:t>30.08.2020</a:t>
+              <a:t>31.08.2020</a:t>
             </a:fld>
             <a:endParaRPr lang="ru-RU"/>
           </a:p>
@@ -1810,7 +1815,7 @@
           <a:p>
             <a:fld id="{C3C0AEFA-DB39-4030-B46D-B4956C70491D}" type="datetimeFigureOut">
               <a:rPr lang="ru-RU" smtClean="0"/>
-              <a:t>30.08.2020</a:t>
+              <a:t>31.08.2020</a:t>
             </a:fld>
             <a:endParaRPr lang="ru-RU"/>
           </a:p>
@@ -1951,7 +1956,7 @@
           <a:p>
             <a:fld id="{C3C0AEFA-DB39-4030-B46D-B4956C70491D}" type="datetimeFigureOut">
               <a:rPr lang="ru-RU" smtClean="0"/>
-              <a:t>30.08.2020</a:t>
+              <a:t>31.08.2020</a:t>
             </a:fld>
             <a:endParaRPr lang="ru-RU"/>
           </a:p>
@@ -2064,7 +2069,7 @@
           <a:p>
             <a:fld id="{C3C0AEFA-DB39-4030-B46D-B4956C70491D}" type="datetimeFigureOut">
               <a:rPr lang="ru-RU" smtClean="0"/>
-              <a:t>30.08.2020</a:t>
+              <a:t>31.08.2020</a:t>
             </a:fld>
             <a:endParaRPr lang="ru-RU"/>
           </a:p>
@@ -2375,7 +2380,7 @@
           <a:p>
             <a:fld id="{C3C0AEFA-DB39-4030-B46D-B4956C70491D}" type="datetimeFigureOut">
               <a:rPr lang="ru-RU" smtClean="0"/>
-              <a:t>30.08.2020</a:t>
+              <a:t>31.08.2020</a:t>
             </a:fld>
             <a:endParaRPr lang="ru-RU"/>
           </a:p>
@@ -2663,7 +2668,7 @@
           <a:p>
             <a:fld id="{C3C0AEFA-DB39-4030-B46D-B4956C70491D}" type="datetimeFigureOut">
               <a:rPr lang="ru-RU" smtClean="0"/>
-              <a:t>30.08.2020</a:t>
+              <a:t>31.08.2020</a:t>
             </a:fld>
             <a:endParaRPr lang="ru-RU"/>
           </a:p>
@@ -2904,7 +2909,7 @@
           <a:p>
             <a:fld id="{C3C0AEFA-DB39-4030-B46D-B4956C70491D}" type="datetimeFigureOut">
               <a:rPr lang="ru-RU" smtClean="0"/>
-              <a:t>30.08.2020</a:t>
+              <a:t>31.08.2020</a:t>
             </a:fld>
             <a:endParaRPr lang="ru-RU"/>
           </a:p>
@@ -3323,51 +3328,1556 @@
       </p:grpSpPr>
       <p:sp>
         <p:nvSpPr>
-          <p:cNvPr id="2" name="Заголовок 1">
-            <a:extLst>
-              <a:ext uri="{FF2B5EF4-FFF2-40B4-BE49-F238E27FC236}">
-                <a16:creationId xmlns:a16="http://schemas.microsoft.com/office/drawing/2014/main" id="{D8579AE4-CE2F-4F1D-82C4-3577489DEB15}"/>
-              </a:ext>
-            </a:extLst>
-          </p:cNvPr>
-          <p:cNvSpPr>
-            <a:spLocks noGrp="1"/>
-          </p:cNvSpPr>
-          <p:nvPr>
-            <p:ph type="ctrTitle"/>
-          </p:nvPr>
-        </p:nvSpPr>
-        <p:spPr/>
-        <p:txBody>
-          <a:bodyPr/>
-          <a:lstStyle/>
-          <a:p>
-            <a:endParaRPr lang="ru-RU"/>
-          </a:p>
-        </p:txBody>
-      </p:sp>
-      <p:sp>
-        <p:nvSpPr>
-          <p:cNvPr id="3" name="Подзаголовок 2">
-            <a:extLst>
-              <a:ext uri="{FF2B5EF4-FFF2-40B4-BE49-F238E27FC236}">
-                <a16:creationId xmlns:a16="http://schemas.microsoft.com/office/drawing/2014/main" id="{B658D0C6-9F93-47EF-9D13-5AD9ECC56C89}"/>
-              </a:ext>
-            </a:extLst>
-          </p:cNvPr>
-          <p:cNvSpPr>
-            <a:spLocks noGrp="1"/>
-          </p:cNvSpPr>
-          <p:nvPr>
-            <p:ph type="subTitle" idx="1"/>
-          </p:nvPr>
-        </p:nvSpPr>
-        <p:spPr/>
-        <p:txBody>
-          <a:bodyPr/>
-          <a:lstStyle/>
-          <a:p>
-            <a:endParaRPr lang="ru-RU"/>
+          <p:cNvPr id="4" name="TextBox 3">
+            <a:extLst>
+              <a:ext uri="{FF2B5EF4-FFF2-40B4-BE49-F238E27FC236}">
+                <a16:creationId xmlns:a16="http://schemas.microsoft.com/office/drawing/2014/main" id="{ABE8413C-7BA9-431E-82E6-EAE58A0CAA09}"/>
+              </a:ext>
+            </a:extLst>
+          </p:cNvPr>
+          <p:cNvSpPr txBox="1"/>
+          <p:nvPr/>
+        </p:nvSpPr>
+        <p:spPr>
+          <a:xfrm>
+            <a:off x="952107" y="414780"/>
+            <a:ext cx="1385740" cy="369332"/>
+          </a:xfrm>
+          <a:prstGeom prst="rect">
+            <a:avLst/>
+          </a:prstGeom>
+          <a:noFill/>
+        </p:spPr>
+        <p:txBody>
+          <a:bodyPr wrap="square" rtlCol="0">
+            <a:spAutoFit/>
+          </a:bodyPr>
+          <a:lstStyle/>
+          <a:p>
+            <a:r>
+              <a:rPr lang="cs-CZ" b="0" i="0">
+                <a:solidFill>
+                  <a:srgbClr val="24292E"/>
+                </a:solidFill>
+                <a:effectLst/>
+                <a:latin typeface="-apple-system"/>
+              </a:rPr>
+              <a:t>Source Layer</a:t>
+            </a:r>
+            <a:endParaRPr lang="ru-RU" dirty="0"/>
+          </a:p>
+        </p:txBody>
+      </p:sp>
+      <p:sp>
+        <p:nvSpPr>
+          <p:cNvPr id="6" name="TextBox 5">
+            <a:extLst>
+              <a:ext uri="{FF2B5EF4-FFF2-40B4-BE49-F238E27FC236}">
+                <a16:creationId xmlns:a16="http://schemas.microsoft.com/office/drawing/2014/main" id="{7D90B9A1-28A0-4FE4-A453-072897190E8A}"/>
+              </a:ext>
+            </a:extLst>
+          </p:cNvPr>
+          <p:cNvSpPr txBox="1"/>
+          <p:nvPr/>
+        </p:nvSpPr>
+        <p:spPr>
+          <a:xfrm>
+            <a:off x="5403130" y="414780"/>
+            <a:ext cx="1695254" cy="369332"/>
+          </a:xfrm>
+          <a:prstGeom prst="rect">
+            <a:avLst/>
+          </a:prstGeom>
+          <a:noFill/>
+        </p:spPr>
+        <p:txBody>
+          <a:bodyPr wrap="square" rtlCol="0">
+            <a:spAutoFit/>
+          </a:bodyPr>
+          <a:lstStyle/>
+          <a:p>
+            <a:r>
+              <a:rPr lang="cs-CZ" b="0" i="0" dirty="0">
+                <a:solidFill>
+                  <a:srgbClr val="24292E"/>
+                </a:solidFill>
+                <a:effectLst/>
+                <a:latin typeface="-apple-system"/>
+              </a:rPr>
+              <a:t>Storage Layer</a:t>
+            </a:r>
+            <a:endParaRPr lang="ru-RU" dirty="0"/>
+          </a:p>
+        </p:txBody>
+      </p:sp>
+      <p:sp>
+        <p:nvSpPr>
+          <p:cNvPr id="8" name="TextBox 7">
+            <a:extLst>
+              <a:ext uri="{FF2B5EF4-FFF2-40B4-BE49-F238E27FC236}">
+                <a16:creationId xmlns:a16="http://schemas.microsoft.com/office/drawing/2014/main" id="{CE949690-3955-43B1-9B70-E2B2E13B2C43}"/>
+              </a:ext>
+            </a:extLst>
+          </p:cNvPr>
+          <p:cNvSpPr txBox="1"/>
+          <p:nvPr/>
+        </p:nvSpPr>
+        <p:spPr>
+          <a:xfrm>
+            <a:off x="9415407" y="440034"/>
+            <a:ext cx="1806804" cy="369332"/>
+          </a:xfrm>
+          <a:prstGeom prst="rect">
+            <a:avLst/>
+          </a:prstGeom>
+          <a:noFill/>
+        </p:spPr>
+        <p:txBody>
+          <a:bodyPr wrap="square" rtlCol="0">
+            <a:spAutoFit/>
+          </a:bodyPr>
+          <a:lstStyle/>
+          <a:p>
+            <a:r>
+              <a:rPr lang="cs-CZ" b="0" i="0" dirty="0">
+                <a:solidFill>
+                  <a:srgbClr val="24292E"/>
+                </a:solidFill>
+                <a:effectLst/>
+                <a:latin typeface="-apple-system"/>
+              </a:rPr>
+              <a:t>Business Layer</a:t>
+            </a:r>
+            <a:endParaRPr lang="ru-RU" dirty="0"/>
+          </a:p>
+        </p:txBody>
+      </p:sp>
+      <p:sp>
+        <p:nvSpPr>
+          <p:cNvPr id="13" name="TextBox 12">
+            <a:extLst>
+              <a:ext uri="{FF2B5EF4-FFF2-40B4-BE49-F238E27FC236}">
+                <a16:creationId xmlns:a16="http://schemas.microsoft.com/office/drawing/2014/main" id="{1B472CB8-B644-4DC5-B7AD-0D18A826CD7D}"/>
+              </a:ext>
+            </a:extLst>
+          </p:cNvPr>
+          <p:cNvSpPr txBox="1"/>
+          <p:nvPr/>
+        </p:nvSpPr>
+        <p:spPr>
+          <a:xfrm>
+            <a:off x="403783" y="809366"/>
+            <a:ext cx="2711775" cy="369332"/>
+          </a:xfrm>
+          <a:prstGeom prst="rect">
+            <a:avLst/>
+          </a:prstGeom>
+          <a:noFill/>
+        </p:spPr>
+        <p:txBody>
+          <a:bodyPr wrap="square" rtlCol="0">
+            <a:spAutoFit/>
+          </a:bodyPr>
+          <a:lstStyle/>
+          <a:p>
+            <a:r>
+              <a:rPr lang="ru-RU" b="0" i="0" dirty="0">
+                <a:solidFill>
+                  <a:srgbClr val="24292E"/>
+                </a:solidFill>
+                <a:effectLst/>
+                <a:latin typeface="-apple-system"/>
+              </a:rPr>
+              <a:t>Слой источников данных</a:t>
+            </a:r>
+            <a:endParaRPr lang="ru-RU" dirty="0"/>
+          </a:p>
+        </p:txBody>
+      </p:sp>
+      <p:sp>
+        <p:nvSpPr>
+          <p:cNvPr id="15" name="TextBox 14">
+            <a:extLst>
+              <a:ext uri="{FF2B5EF4-FFF2-40B4-BE49-F238E27FC236}">
+                <a16:creationId xmlns:a16="http://schemas.microsoft.com/office/drawing/2014/main" id="{6A4D4407-9381-491D-BA71-4361A30E9B55}"/>
+              </a:ext>
+            </a:extLst>
+          </p:cNvPr>
+          <p:cNvSpPr txBox="1"/>
+          <p:nvPr/>
+        </p:nvSpPr>
+        <p:spPr>
+          <a:xfrm>
+            <a:off x="4958501" y="817454"/>
+            <a:ext cx="2680351" cy="369332"/>
+          </a:xfrm>
+          <a:prstGeom prst="rect">
+            <a:avLst/>
+          </a:prstGeom>
+          <a:noFill/>
+        </p:spPr>
+        <p:txBody>
+          <a:bodyPr wrap="square" rtlCol="0">
+            <a:spAutoFit/>
+          </a:bodyPr>
+          <a:lstStyle/>
+          <a:p>
+            <a:r>
+              <a:rPr lang="ru-RU" b="0" i="0" dirty="0">
+                <a:solidFill>
+                  <a:srgbClr val="24292E"/>
+                </a:solidFill>
+                <a:effectLst/>
+                <a:latin typeface="-apple-system"/>
+              </a:rPr>
+              <a:t>Слой хранения данных</a:t>
+            </a:r>
+            <a:endParaRPr lang="ru-RU" dirty="0"/>
+          </a:p>
+        </p:txBody>
+      </p:sp>
+      <p:sp>
+        <p:nvSpPr>
+          <p:cNvPr id="17" name="TextBox 16">
+            <a:extLst>
+              <a:ext uri="{FF2B5EF4-FFF2-40B4-BE49-F238E27FC236}">
+                <a16:creationId xmlns:a16="http://schemas.microsoft.com/office/drawing/2014/main" id="{2D49B6C4-7C46-4E22-A0E8-4C52CA73D868}"/>
+              </a:ext>
+            </a:extLst>
+          </p:cNvPr>
+          <p:cNvSpPr txBox="1"/>
+          <p:nvPr/>
+        </p:nvSpPr>
+        <p:spPr>
+          <a:xfrm>
+            <a:off x="9057592" y="817454"/>
+            <a:ext cx="2615934" cy="369332"/>
+          </a:xfrm>
+          <a:prstGeom prst="rect">
+            <a:avLst/>
+          </a:prstGeom>
+          <a:noFill/>
+        </p:spPr>
+        <p:txBody>
+          <a:bodyPr wrap="square" rtlCol="0">
+            <a:spAutoFit/>
+          </a:bodyPr>
+          <a:lstStyle/>
+          <a:p>
+            <a:r>
+              <a:rPr lang="ru-RU" b="0" i="0" dirty="0">
+                <a:solidFill>
+                  <a:srgbClr val="24292E"/>
+                </a:solidFill>
+                <a:effectLst/>
+                <a:latin typeface="-apple-system"/>
+              </a:rPr>
+              <a:t>Слой доступа к данным</a:t>
+            </a:r>
+            <a:endParaRPr lang="ru-RU" dirty="0"/>
+          </a:p>
+        </p:txBody>
+      </p:sp>
+      <p:sp>
+        <p:nvSpPr>
+          <p:cNvPr id="18" name="Прямоугольник 17">
+            <a:extLst>
+              <a:ext uri="{FF2B5EF4-FFF2-40B4-BE49-F238E27FC236}">
+                <a16:creationId xmlns:a16="http://schemas.microsoft.com/office/drawing/2014/main" id="{7BE44306-F577-4638-A478-7B5FE8F81265}"/>
+              </a:ext>
+            </a:extLst>
+          </p:cNvPr>
+          <p:cNvSpPr/>
+          <p:nvPr/>
+        </p:nvSpPr>
+        <p:spPr>
+          <a:xfrm>
+            <a:off x="684895" y="1235132"/>
+            <a:ext cx="2155589" cy="703393"/>
+          </a:xfrm>
+          <a:prstGeom prst="rect">
+            <a:avLst/>
+          </a:prstGeom>
+          <a:noFill/>
+        </p:spPr>
+        <p:style>
+          <a:lnRef idx="2">
+            <a:schemeClr val="accent1">
+              <a:shade val="50000"/>
+            </a:schemeClr>
+          </a:lnRef>
+          <a:fillRef idx="1">
+            <a:schemeClr val="accent1"/>
+          </a:fillRef>
+          <a:effectRef idx="0">
+            <a:schemeClr val="accent1"/>
+          </a:effectRef>
+          <a:fontRef idx="minor">
+            <a:schemeClr val="lt1"/>
+          </a:fontRef>
+        </p:style>
+        <p:txBody>
+          <a:bodyPr rtlCol="0" anchor="ctr"/>
+          <a:lstStyle/>
+          <a:p>
+            <a:pPr algn="ctr"/>
+            <a:endParaRPr lang="ru-RU">
+              <a:noFill/>
+            </a:endParaRPr>
+          </a:p>
+        </p:txBody>
+      </p:sp>
+      <p:sp>
+        <p:nvSpPr>
+          <p:cNvPr id="19" name="TextBox 18">
+            <a:extLst>
+              <a:ext uri="{FF2B5EF4-FFF2-40B4-BE49-F238E27FC236}">
+                <a16:creationId xmlns:a16="http://schemas.microsoft.com/office/drawing/2014/main" id="{F6B62970-A767-44A1-8FCC-89B6C4773808}"/>
+              </a:ext>
+            </a:extLst>
+          </p:cNvPr>
+          <p:cNvSpPr txBox="1"/>
+          <p:nvPr/>
+        </p:nvSpPr>
+        <p:spPr>
+          <a:xfrm>
+            <a:off x="907682" y="1422564"/>
+            <a:ext cx="1643655" cy="369332"/>
+          </a:xfrm>
+          <a:prstGeom prst="rect">
+            <a:avLst/>
+          </a:prstGeom>
+          <a:noFill/>
+        </p:spPr>
+        <p:txBody>
+          <a:bodyPr wrap="none" rtlCol="0">
+            <a:spAutoFit/>
+          </a:bodyPr>
+          <a:lstStyle/>
+          <a:p>
+            <a:r>
+              <a:rPr lang="ru-RU" dirty="0"/>
+              <a:t>Интернет-банк</a:t>
+            </a:r>
+          </a:p>
+        </p:txBody>
+      </p:sp>
+      <p:sp>
+        <p:nvSpPr>
+          <p:cNvPr id="23" name="TextBox 22">
+            <a:extLst>
+              <a:ext uri="{FF2B5EF4-FFF2-40B4-BE49-F238E27FC236}">
+                <a16:creationId xmlns:a16="http://schemas.microsoft.com/office/drawing/2014/main" id="{A6EF6D0D-CEBF-4232-86AF-763437E5723E}"/>
+              </a:ext>
+            </a:extLst>
+          </p:cNvPr>
+          <p:cNvSpPr txBox="1"/>
+          <p:nvPr/>
+        </p:nvSpPr>
+        <p:spPr>
+          <a:xfrm>
+            <a:off x="1414552" y="2228378"/>
+            <a:ext cx="633507" cy="369332"/>
+          </a:xfrm>
+          <a:prstGeom prst="rect">
+            <a:avLst/>
+          </a:prstGeom>
+          <a:noFill/>
+        </p:spPr>
+        <p:txBody>
+          <a:bodyPr wrap="none" rtlCol="0">
+            <a:spAutoFit/>
+          </a:bodyPr>
+          <a:lstStyle/>
+          <a:p>
+            <a:r>
+              <a:rPr lang="ru-RU" dirty="0"/>
+              <a:t>Сайт</a:t>
+            </a:r>
+          </a:p>
+        </p:txBody>
+      </p:sp>
+      <p:sp>
+        <p:nvSpPr>
+          <p:cNvPr id="27" name="TextBox 26">
+            <a:extLst>
+              <a:ext uri="{FF2B5EF4-FFF2-40B4-BE49-F238E27FC236}">
+                <a16:creationId xmlns:a16="http://schemas.microsoft.com/office/drawing/2014/main" id="{C5C910A5-CC8F-407A-8F9E-E73D5908B182}"/>
+              </a:ext>
+            </a:extLst>
+          </p:cNvPr>
+          <p:cNvSpPr txBox="1"/>
+          <p:nvPr/>
+        </p:nvSpPr>
+        <p:spPr>
+          <a:xfrm>
+            <a:off x="1389361" y="3145874"/>
+            <a:ext cx="641522" cy="369332"/>
+          </a:xfrm>
+          <a:prstGeom prst="rect">
+            <a:avLst/>
+          </a:prstGeom>
+          <a:noFill/>
+        </p:spPr>
+        <p:txBody>
+          <a:bodyPr wrap="none" rtlCol="0">
+            <a:spAutoFit/>
+          </a:bodyPr>
+          <a:lstStyle/>
+          <a:p>
+            <a:r>
+              <a:rPr lang="ru-RU" dirty="0"/>
+              <a:t>ФОП</a:t>
+            </a:r>
+          </a:p>
+        </p:txBody>
+      </p:sp>
+      <p:sp>
+        <p:nvSpPr>
+          <p:cNvPr id="31" name="TextBox 30">
+            <a:extLst>
+              <a:ext uri="{FF2B5EF4-FFF2-40B4-BE49-F238E27FC236}">
+                <a16:creationId xmlns:a16="http://schemas.microsoft.com/office/drawing/2014/main" id="{E9509289-BAEB-42F6-B7AB-B2211B1B16AF}"/>
+              </a:ext>
+            </a:extLst>
+          </p:cNvPr>
+          <p:cNvSpPr txBox="1"/>
+          <p:nvPr/>
+        </p:nvSpPr>
+        <p:spPr>
+          <a:xfrm>
+            <a:off x="1412426" y="5679302"/>
+            <a:ext cx="630301" cy="369332"/>
+          </a:xfrm>
+          <a:prstGeom prst="rect">
+            <a:avLst/>
+          </a:prstGeom>
+          <a:noFill/>
+        </p:spPr>
+        <p:txBody>
+          <a:bodyPr wrap="none" rtlCol="0">
+            <a:spAutoFit/>
+          </a:bodyPr>
+          <a:lstStyle/>
+          <a:p>
+            <a:r>
+              <a:rPr lang="en-US" dirty="0"/>
+              <a:t>CRM</a:t>
+            </a:r>
+            <a:endParaRPr lang="ru-RU" dirty="0"/>
+          </a:p>
+        </p:txBody>
+      </p:sp>
+      <p:sp>
+        <p:nvSpPr>
+          <p:cNvPr id="35" name="TextBox 34">
+            <a:extLst>
+              <a:ext uri="{FF2B5EF4-FFF2-40B4-BE49-F238E27FC236}">
+                <a16:creationId xmlns:a16="http://schemas.microsoft.com/office/drawing/2014/main" id="{0DCD0D8E-275D-4451-B8CF-63863A280E72}"/>
+              </a:ext>
+            </a:extLst>
+          </p:cNvPr>
+          <p:cNvSpPr txBox="1"/>
+          <p:nvPr/>
+        </p:nvSpPr>
+        <p:spPr>
+          <a:xfrm>
+            <a:off x="1520662" y="4027531"/>
+            <a:ext cx="478016" cy="369332"/>
+          </a:xfrm>
+          <a:prstGeom prst="rect">
+            <a:avLst/>
+          </a:prstGeom>
+          <a:noFill/>
+        </p:spPr>
+        <p:txBody>
+          <a:bodyPr wrap="none" rtlCol="0">
+            <a:spAutoFit/>
+          </a:bodyPr>
+          <a:lstStyle/>
+          <a:p>
+            <a:r>
+              <a:rPr lang="en-US" dirty="0"/>
+              <a:t>1 C</a:t>
+            </a:r>
+            <a:endParaRPr lang="ru-RU" dirty="0"/>
+          </a:p>
+        </p:txBody>
+      </p:sp>
+      <p:sp>
+        <p:nvSpPr>
+          <p:cNvPr id="41" name="Прямоугольник 40">
+            <a:extLst>
+              <a:ext uri="{FF2B5EF4-FFF2-40B4-BE49-F238E27FC236}">
+                <a16:creationId xmlns:a16="http://schemas.microsoft.com/office/drawing/2014/main" id="{44FE8FE6-A785-47D1-898A-3719E490A051}"/>
+              </a:ext>
+            </a:extLst>
+          </p:cNvPr>
+          <p:cNvSpPr/>
+          <p:nvPr/>
+        </p:nvSpPr>
+        <p:spPr>
+          <a:xfrm>
+            <a:off x="684895" y="2104653"/>
+            <a:ext cx="2155589" cy="703393"/>
+          </a:xfrm>
+          <a:prstGeom prst="rect">
+            <a:avLst/>
+          </a:prstGeom>
+          <a:noFill/>
+        </p:spPr>
+        <p:style>
+          <a:lnRef idx="2">
+            <a:schemeClr val="accent1">
+              <a:shade val="50000"/>
+            </a:schemeClr>
+          </a:lnRef>
+          <a:fillRef idx="1">
+            <a:schemeClr val="accent1"/>
+          </a:fillRef>
+          <a:effectRef idx="0">
+            <a:schemeClr val="accent1"/>
+          </a:effectRef>
+          <a:fontRef idx="minor">
+            <a:schemeClr val="lt1"/>
+          </a:fontRef>
+        </p:style>
+        <p:txBody>
+          <a:bodyPr rtlCol="0" anchor="ctr"/>
+          <a:lstStyle/>
+          <a:p>
+            <a:pPr algn="ctr"/>
+            <a:endParaRPr lang="ru-RU">
+              <a:noFill/>
+            </a:endParaRPr>
+          </a:p>
+        </p:txBody>
+      </p:sp>
+      <p:sp>
+        <p:nvSpPr>
+          <p:cNvPr id="43" name="Прямоугольник 42">
+            <a:extLst>
+              <a:ext uri="{FF2B5EF4-FFF2-40B4-BE49-F238E27FC236}">
+                <a16:creationId xmlns:a16="http://schemas.microsoft.com/office/drawing/2014/main" id="{AFAA9661-28AD-4A41-B247-0CD3E510A175}"/>
+              </a:ext>
+            </a:extLst>
+          </p:cNvPr>
+          <p:cNvSpPr/>
+          <p:nvPr/>
+        </p:nvSpPr>
+        <p:spPr>
+          <a:xfrm>
+            <a:off x="672451" y="2978844"/>
+            <a:ext cx="2155589" cy="703393"/>
+          </a:xfrm>
+          <a:prstGeom prst="rect">
+            <a:avLst/>
+          </a:prstGeom>
+          <a:noFill/>
+        </p:spPr>
+        <p:style>
+          <a:lnRef idx="2">
+            <a:schemeClr val="accent1">
+              <a:shade val="50000"/>
+            </a:schemeClr>
+          </a:lnRef>
+          <a:fillRef idx="1">
+            <a:schemeClr val="accent1"/>
+          </a:fillRef>
+          <a:effectRef idx="0">
+            <a:schemeClr val="accent1"/>
+          </a:effectRef>
+          <a:fontRef idx="minor">
+            <a:schemeClr val="lt1"/>
+          </a:fontRef>
+        </p:style>
+        <p:txBody>
+          <a:bodyPr rtlCol="0" anchor="ctr"/>
+          <a:lstStyle/>
+          <a:p>
+            <a:pPr algn="ctr"/>
+            <a:endParaRPr lang="ru-RU">
+              <a:noFill/>
+            </a:endParaRPr>
+          </a:p>
+        </p:txBody>
+      </p:sp>
+      <p:sp>
+        <p:nvSpPr>
+          <p:cNvPr id="45" name="Прямоугольник 44">
+            <a:extLst>
+              <a:ext uri="{FF2B5EF4-FFF2-40B4-BE49-F238E27FC236}">
+                <a16:creationId xmlns:a16="http://schemas.microsoft.com/office/drawing/2014/main" id="{82EE181D-1252-42CA-9B7F-098CBFA139EC}"/>
+              </a:ext>
+            </a:extLst>
+          </p:cNvPr>
+          <p:cNvSpPr/>
+          <p:nvPr/>
+        </p:nvSpPr>
+        <p:spPr>
+          <a:xfrm>
+            <a:off x="664599" y="3856277"/>
+            <a:ext cx="2155589" cy="703393"/>
+          </a:xfrm>
+          <a:prstGeom prst="rect">
+            <a:avLst/>
+          </a:prstGeom>
+          <a:noFill/>
+        </p:spPr>
+        <p:style>
+          <a:lnRef idx="2">
+            <a:schemeClr val="accent1">
+              <a:shade val="50000"/>
+            </a:schemeClr>
+          </a:lnRef>
+          <a:fillRef idx="1">
+            <a:schemeClr val="accent1"/>
+          </a:fillRef>
+          <a:effectRef idx="0">
+            <a:schemeClr val="accent1"/>
+          </a:effectRef>
+          <a:fontRef idx="minor">
+            <a:schemeClr val="lt1"/>
+          </a:fontRef>
+        </p:style>
+        <p:txBody>
+          <a:bodyPr rtlCol="0" anchor="ctr"/>
+          <a:lstStyle/>
+          <a:p>
+            <a:pPr algn="ctr"/>
+            <a:endParaRPr lang="ru-RU">
+              <a:noFill/>
+            </a:endParaRPr>
+          </a:p>
+        </p:txBody>
+      </p:sp>
+      <p:sp>
+        <p:nvSpPr>
+          <p:cNvPr id="47" name="Прямоугольник 46">
+            <a:extLst>
+              <a:ext uri="{FF2B5EF4-FFF2-40B4-BE49-F238E27FC236}">
+                <a16:creationId xmlns:a16="http://schemas.microsoft.com/office/drawing/2014/main" id="{786A613D-2E40-472D-88BD-508AB50DA5CD}"/>
+              </a:ext>
+            </a:extLst>
+          </p:cNvPr>
+          <p:cNvSpPr/>
+          <p:nvPr/>
+        </p:nvSpPr>
+        <p:spPr>
+          <a:xfrm>
+            <a:off x="672451" y="4706850"/>
+            <a:ext cx="2155589" cy="703393"/>
+          </a:xfrm>
+          <a:prstGeom prst="rect">
+            <a:avLst/>
+          </a:prstGeom>
+          <a:noFill/>
+        </p:spPr>
+        <p:style>
+          <a:lnRef idx="2">
+            <a:schemeClr val="accent1">
+              <a:shade val="50000"/>
+            </a:schemeClr>
+          </a:lnRef>
+          <a:fillRef idx="1">
+            <a:schemeClr val="accent1"/>
+          </a:fillRef>
+          <a:effectRef idx="0">
+            <a:schemeClr val="accent1"/>
+          </a:effectRef>
+          <a:fontRef idx="minor">
+            <a:schemeClr val="lt1"/>
+          </a:fontRef>
+        </p:style>
+        <p:txBody>
+          <a:bodyPr rtlCol="0" anchor="ctr"/>
+          <a:lstStyle/>
+          <a:p>
+            <a:pPr algn="ctr"/>
+            <a:endParaRPr lang="ru-RU">
+              <a:noFill/>
+            </a:endParaRPr>
+          </a:p>
+        </p:txBody>
+      </p:sp>
+      <p:sp>
+        <p:nvSpPr>
+          <p:cNvPr id="49" name="Прямоугольник 48">
+            <a:extLst>
+              <a:ext uri="{FF2B5EF4-FFF2-40B4-BE49-F238E27FC236}">
+                <a16:creationId xmlns:a16="http://schemas.microsoft.com/office/drawing/2014/main" id="{6F764E66-ECEC-40BA-9C38-2BCB724508DA}"/>
+              </a:ext>
+            </a:extLst>
+          </p:cNvPr>
+          <p:cNvSpPr/>
+          <p:nvPr/>
+        </p:nvSpPr>
+        <p:spPr>
+          <a:xfrm>
+            <a:off x="672451" y="5584283"/>
+            <a:ext cx="2155589" cy="703393"/>
+          </a:xfrm>
+          <a:prstGeom prst="rect">
+            <a:avLst/>
+          </a:prstGeom>
+          <a:noFill/>
+        </p:spPr>
+        <p:style>
+          <a:lnRef idx="2">
+            <a:schemeClr val="accent1">
+              <a:shade val="50000"/>
+            </a:schemeClr>
+          </a:lnRef>
+          <a:fillRef idx="1">
+            <a:schemeClr val="accent1"/>
+          </a:fillRef>
+          <a:effectRef idx="0">
+            <a:schemeClr val="accent1"/>
+          </a:effectRef>
+          <a:fontRef idx="minor">
+            <a:schemeClr val="lt1"/>
+          </a:fontRef>
+        </p:style>
+        <p:txBody>
+          <a:bodyPr rtlCol="0" anchor="ctr"/>
+          <a:lstStyle/>
+          <a:p>
+            <a:pPr algn="ctr"/>
+            <a:endParaRPr lang="ru-RU">
+              <a:noFill/>
+            </a:endParaRPr>
+          </a:p>
+        </p:txBody>
+      </p:sp>
+      <p:sp>
+        <p:nvSpPr>
+          <p:cNvPr id="51" name="TextBox 50">
+            <a:extLst>
+              <a:ext uri="{FF2B5EF4-FFF2-40B4-BE49-F238E27FC236}">
+                <a16:creationId xmlns:a16="http://schemas.microsoft.com/office/drawing/2014/main" id="{6035EF99-2700-4E90-8375-A3B266D9DDE4}"/>
+              </a:ext>
+            </a:extLst>
+          </p:cNvPr>
+          <p:cNvSpPr txBox="1"/>
+          <p:nvPr/>
+        </p:nvSpPr>
+        <p:spPr>
+          <a:xfrm>
+            <a:off x="1518614" y="4873880"/>
+            <a:ext cx="447558" cy="369332"/>
+          </a:xfrm>
+          <a:prstGeom prst="rect">
+            <a:avLst/>
+          </a:prstGeom>
+          <a:noFill/>
+        </p:spPr>
+        <p:txBody>
+          <a:bodyPr wrap="none" rtlCol="0">
+            <a:spAutoFit/>
+          </a:bodyPr>
+          <a:lstStyle/>
+          <a:p>
+            <a:r>
+              <a:rPr lang="en-US" dirty="0"/>
+              <a:t>HP</a:t>
+            </a:r>
+            <a:endParaRPr lang="ru-RU" dirty="0"/>
+          </a:p>
+        </p:txBody>
+      </p:sp>
+      <p:sp>
+        <p:nvSpPr>
+          <p:cNvPr id="53" name="Прямоугольник 52">
+            <a:extLst>
+              <a:ext uri="{FF2B5EF4-FFF2-40B4-BE49-F238E27FC236}">
+                <a16:creationId xmlns:a16="http://schemas.microsoft.com/office/drawing/2014/main" id="{022D4C87-3294-4B03-AEB9-919B59428C9F}"/>
+              </a:ext>
+            </a:extLst>
+          </p:cNvPr>
+          <p:cNvSpPr/>
+          <p:nvPr/>
+        </p:nvSpPr>
+        <p:spPr>
+          <a:xfrm>
+            <a:off x="5078694" y="1752956"/>
+            <a:ext cx="2155589" cy="703393"/>
+          </a:xfrm>
+          <a:prstGeom prst="rect">
+            <a:avLst/>
+          </a:prstGeom>
+          <a:noFill/>
+        </p:spPr>
+        <p:style>
+          <a:lnRef idx="2">
+            <a:schemeClr val="accent1">
+              <a:shade val="50000"/>
+            </a:schemeClr>
+          </a:lnRef>
+          <a:fillRef idx="1">
+            <a:schemeClr val="accent1"/>
+          </a:fillRef>
+          <a:effectRef idx="0">
+            <a:schemeClr val="accent1"/>
+          </a:effectRef>
+          <a:fontRef idx="minor">
+            <a:schemeClr val="lt1"/>
+          </a:fontRef>
+        </p:style>
+        <p:txBody>
+          <a:bodyPr rtlCol="0" anchor="ctr"/>
+          <a:lstStyle/>
+          <a:p>
+            <a:pPr algn="ctr"/>
+            <a:endParaRPr lang="ru-RU">
+              <a:noFill/>
+            </a:endParaRPr>
+          </a:p>
+        </p:txBody>
+      </p:sp>
+      <p:sp>
+        <p:nvSpPr>
+          <p:cNvPr id="55" name="Прямоугольник 54">
+            <a:extLst>
+              <a:ext uri="{FF2B5EF4-FFF2-40B4-BE49-F238E27FC236}">
+                <a16:creationId xmlns:a16="http://schemas.microsoft.com/office/drawing/2014/main" id="{BA123F89-ACC6-47B9-87C7-D6D374E2A09C}"/>
+              </a:ext>
+            </a:extLst>
+          </p:cNvPr>
+          <p:cNvSpPr/>
+          <p:nvPr/>
+        </p:nvSpPr>
+        <p:spPr>
+          <a:xfrm>
+            <a:off x="5078693" y="2811813"/>
+            <a:ext cx="2155589" cy="703393"/>
+          </a:xfrm>
+          <a:prstGeom prst="rect">
+            <a:avLst/>
+          </a:prstGeom>
+          <a:noFill/>
+        </p:spPr>
+        <p:style>
+          <a:lnRef idx="2">
+            <a:schemeClr val="accent1">
+              <a:shade val="50000"/>
+            </a:schemeClr>
+          </a:lnRef>
+          <a:fillRef idx="1">
+            <a:schemeClr val="accent1"/>
+          </a:fillRef>
+          <a:effectRef idx="0">
+            <a:schemeClr val="accent1"/>
+          </a:effectRef>
+          <a:fontRef idx="minor">
+            <a:schemeClr val="lt1"/>
+          </a:fontRef>
+        </p:style>
+        <p:txBody>
+          <a:bodyPr rtlCol="0" anchor="ctr"/>
+          <a:lstStyle/>
+          <a:p>
+            <a:pPr algn="ctr"/>
+            <a:endParaRPr lang="ru-RU">
+              <a:noFill/>
+            </a:endParaRPr>
+          </a:p>
+        </p:txBody>
+      </p:sp>
+      <p:sp>
+        <p:nvSpPr>
+          <p:cNvPr id="57" name="Прямоугольник 56">
+            <a:extLst>
+              <a:ext uri="{FF2B5EF4-FFF2-40B4-BE49-F238E27FC236}">
+                <a16:creationId xmlns:a16="http://schemas.microsoft.com/office/drawing/2014/main" id="{B3F356F6-A72B-4979-9A76-E1E5E7659F6C}"/>
+              </a:ext>
+            </a:extLst>
+          </p:cNvPr>
+          <p:cNvSpPr/>
+          <p:nvPr/>
+        </p:nvSpPr>
+        <p:spPr>
+          <a:xfrm>
+            <a:off x="5078692" y="3856276"/>
+            <a:ext cx="2155589" cy="703393"/>
+          </a:xfrm>
+          <a:prstGeom prst="rect">
+            <a:avLst/>
+          </a:prstGeom>
+          <a:noFill/>
+        </p:spPr>
+        <p:style>
+          <a:lnRef idx="2">
+            <a:schemeClr val="accent1">
+              <a:shade val="50000"/>
+            </a:schemeClr>
+          </a:lnRef>
+          <a:fillRef idx="1">
+            <a:schemeClr val="accent1"/>
+          </a:fillRef>
+          <a:effectRef idx="0">
+            <a:schemeClr val="accent1"/>
+          </a:effectRef>
+          <a:fontRef idx="minor">
+            <a:schemeClr val="lt1"/>
+          </a:fontRef>
+        </p:style>
+        <p:txBody>
+          <a:bodyPr rtlCol="0" anchor="ctr"/>
+          <a:lstStyle/>
+          <a:p>
+            <a:pPr algn="ctr"/>
+            <a:endParaRPr lang="ru-RU">
+              <a:noFill/>
+            </a:endParaRPr>
+          </a:p>
+        </p:txBody>
+      </p:sp>
+      <p:sp>
+        <p:nvSpPr>
+          <p:cNvPr id="59" name="TextBox 58">
+            <a:extLst>
+              <a:ext uri="{FF2B5EF4-FFF2-40B4-BE49-F238E27FC236}">
+                <a16:creationId xmlns:a16="http://schemas.microsoft.com/office/drawing/2014/main" id="{0093A2F8-62C2-44FA-9506-A5340B137DE6}"/>
+              </a:ext>
+            </a:extLst>
+          </p:cNvPr>
+          <p:cNvSpPr txBox="1"/>
+          <p:nvPr/>
+        </p:nvSpPr>
+        <p:spPr>
+          <a:xfrm>
+            <a:off x="5934845" y="1902532"/>
+            <a:ext cx="478016" cy="369332"/>
+          </a:xfrm>
+          <a:prstGeom prst="rect">
+            <a:avLst/>
+          </a:prstGeom>
+          <a:noFill/>
+        </p:spPr>
+        <p:txBody>
+          <a:bodyPr wrap="none" rtlCol="0">
+            <a:spAutoFit/>
+          </a:bodyPr>
+          <a:lstStyle/>
+          <a:p>
+            <a:r>
+              <a:rPr lang="en-US" dirty="0"/>
+              <a:t>1 C</a:t>
+            </a:r>
+            <a:endParaRPr lang="ru-RU" dirty="0"/>
+          </a:p>
+        </p:txBody>
+      </p:sp>
+      <p:sp>
+        <p:nvSpPr>
+          <p:cNvPr id="61" name="TextBox 60">
+            <a:extLst>
+              <a:ext uri="{FF2B5EF4-FFF2-40B4-BE49-F238E27FC236}">
+                <a16:creationId xmlns:a16="http://schemas.microsoft.com/office/drawing/2014/main" id="{96C64A5E-4219-4916-8354-39A470EB9C0E}"/>
+              </a:ext>
+            </a:extLst>
+          </p:cNvPr>
+          <p:cNvSpPr txBox="1"/>
+          <p:nvPr/>
+        </p:nvSpPr>
+        <p:spPr>
+          <a:xfrm>
+            <a:off x="5934845" y="3980245"/>
+            <a:ext cx="630301" cy="369332"/>
+          </a:xfrm>
+          <a:prstGeom prst="rect">
+            <a:avLst/>
+          </a:prstGeom>
+          <a:noFill/>
+        </p:spPr>
+        <p:txBody>
+          <a:bodyPr wrap="none" rtlCol="0">
+            <a:spAutoFit/>
+          </a:bodyPr>
+          <a:lstStyle/>
+          <a:p>
+            <a:r>
+              <a:rPr lang="en-US" dirty="0"/>
+              <a:t>CRM</a:t>
+            </a:r>
+            <a:endParaRPr lang="ru-RU" dirty="0"/>
+          </a:p>
+        </p:txBody>
+      </p:sp>
+      <p:sp>
+        <p:nvSpPr>
+          <p:cNvPr id="63" name="TextBox 62">
+            <a:extLst>
+              <a:ext uri="{FF2B5EF4-FFF2-40B4-BE49-F238E27FC236}">
+                <a16:creationId xmlns:a16="http://schemas.microsoft.com/office/drawing/2014/main" id="{27C7DCEF-0669-4D42-BF60-243D1D6E0030}"/>
+              </a:ext>
+            </a:extLst>
+          </p:cNvPr>
+          <p:cNvSpPr txBox="1"/>
+          <p:nvPr/>
+        </p:nvSpPr>
+        <p:spPr>
+          <a:xfrm>
+            <a:off x="5991692" y="2971646"/>
+            <a:ext cx="447558" cy="369332"/>
+          </a:xfrm>
+          <a:prstGeom prst="rect">
+            <a:avLst/>
+          </a:prstGeom>
+          <a:noFill/>
+        </p:spPr>
+        <p:txBody>
+          <a:bodyPr wrap="none" rtlCol="0">
+            <a:spAutoFit/>
+          </a:bodyPr>
+          <a:lstStyle/>
+          <a:p>
+            <a:r>
+              <a:rPr lang="en-US" dirty="0"/>
+              <a:t>HP</a:t>
+            </a:r>
+            <a:endParaRPr lang="ru-RU" dirty="0"/>
+          </a:p>
+        </p:txBody>
+      </p:sp>
+      <p:cxnSp>
+        <p:nvCxnSpPr>
+          <p:cNvPr id="65" name="Соединитель: уступ 64">
+            <a:extLst>
+              <a:ext uri="{FF2B5EF4-FFF2-40B4-BE49-F238E27FC236}">
+                <a16:creationId xmlns:a16="http://schemas.microsoft.com/office/drawing/2014/main" id="{7F87FDFF-A57A-4785-88FC-C31F34A627CA}"/>
+              </a:ext>
+            </a:extLst>
+          </p:cNvPr>
+          <p:cNvCxnSpPr>
+            <a:endCxn id="53" idx="1"/>
+          </p:cNvCxnSpPr>
+          <p:nvPr/>
+        </p:nvCxnSpPr>
+        <p:spPr>
+          <a:xfrm>
+            <a:off x="2941163" y="1586828"/>
+            <a:ext cx="2137531" cy="517825"/>
+          </a:xfrm>
+          <a:prstGeom prst="bentConnector3">
+            <a:avLst>
+              <a:gd name="adj1" fmla="val 47354"/>
+            </a:avLst>
+          </a:prstGeom>
+          <a:ln>
+            <a:tailEnd type="triangle"/>
+          </a:ln>
+        </p:spPr>
+        <p:style>
+          <a:lnRef idx="1">
+            <a:schemeClr val="accent1"/>
+          </a:lnRef>
+          <a:fillRef idx="0">
+            <a:schemeClr val="accent1"/>
+          </a:fillRef>
+          <a:effectRef idx="0">
+            <a:schemeClr val="accent1"/>
+          </a:effectRef>
+          <a:fontRef idx="minor">
+            <a:schemeClr val="tx1"/>
+          </a:fontRef>
+        </p:style>
+      </p:cxnSp>
+      <p:cxnSp>
+        <p:nvCxnSpPr>
+          <p:cNvPr id="67" name="Соединитель: уступ 66">
+            <a:extLst>
+              <a:ext uri="{FF2B5EF4-FFF2-40B4-BE49-F238E27FC236}">
+                <a16:creationId xmlns:a16="http://schemas.microsoft.com/office/drawing/2014/main" id="{E7DD2C17-3B8E-47E1-A915-DF57D3432680}"/>
+              </a:ext>
+            </a:extLst>
+          </p:cNvPr>
+          <p:cNvCxnSpPr>
+            <a:stCxn id="41" idx="3"/>
+            <a:endCxn id="53" idx="1"/>
+          </p:cNvCxnSpPr>
+          <p:nvPr/>
+        </p:nvCxnSpPr>
+        <p:spPr>
+          <a:xfrm flipV="1">
+            <a:off x="2840484" y="2104653"/>
+            <a:ext cx="2238210" cy="351697"/>
+          </a:xfrm>
+          <a:prstGeom prst="bentConnector3">
+            <a:avLst/>
+          </a:prstGeom>
+          <a:ln>
+            <a:tailEnd type="triangle"/>
+          </a:ln>
+        </p:spPr>
+        <p:style>
+          <a:lnRef idx="1">
+            <a:schemeClr val="accent1"/>
+          </a:lnRef>
+          <a:fillRef idx="0">
+            <a:schemeClr val="accent1"/>
+          </a:fillRef>
+          <a:effectRef idx="0">
+            <a:schemeClr val="accent1"/>
+          </a:effectRef>
+          <a:fontRef idx="minor">
+            <a:schemeClr val="tx1"/>
+          </a:fontRef>
+        </p:style>
+      </p:cxnSp>
+      <p:cxnSp>
+        <p:nvCxnSpPr>
+          <p:cNvPr id="69" name="Соединитель: уступ 68">
+            <a:extLst>
+              <a:ext uri="{FF2B5EF4-FFF2-40B4-BE49-F238E27FC236}">
+                <a16:creationId xmlns:a16="http://schemas.microsoft.com/office/drawing/2014/main" id="{4E00029A-55A0-4E5C-8E8B-CDE2BA5BBBB0}"/>
+              </a:ext>
+            </a:extLst>
+          </p:cNvPr>
+          <p:cNvCxnSpPr>
+            <a:cxnSpLocks/>
+          </p:cNvCxnSpPr>
+          <p:nvPr/>
+        </p:nvCxnSpPr>
+        <p:spPr>
+          <a:xfrm flipV="1">
+            <a:off x="2828040" y="2104652"/>
+            <a:ext cx="2250654" cy="1225888"/>
+          </a:xfrm>
+          <a:prstGeom prst="bentConnector3">
+            <a:avLst/>
+          </a:prstGeom>
+          <a:ln>
+            <a:tailEnd type="triangle"/>
+          </a:ln>
+        </p:spPr>
+        <p:style>
+          <a:lnRef idx="1">
+            <a:schemeClr val="accent1"/>
+          </a:lnRef>
+          <a:fillRef idx="0">
+            <a:schemeClr val="accent1"/>
+          </a:fillRef>
+          <a:effectRef idx="0">
+            <a:schemeClr val="accent1"/>
+          </a:effectRef>
+          <a:fontRef idx="minor">
+            <a:schemeClr val="tx1"/>
+          </a:fontRef>
+        </p:style>
+      </p:cxnSp>
+      <p:cxnSp>
+        <p:nvCxnSpPr>
+          <p:cNvPr id="72" name="Соединитель: уступ 71">
+            <a:extLst>
+              <a:ext uri="{FF2B5EF4-FFF2-40B4-BE49-F238E27FC236}">
+                <a16:creationId xmlns:a16="http://schemas.microsoft.com/office/drawing/2014/main" id="{B6728F8B-3B56-4374-8FDC-69666DD59929}"/>
+              </a:ext>
+            </a:extLst>
+          </p:cNvPr>
+          <p:cNvCxnSpPr>
+            <a:stCxn id="45" idx="3"/>
+            <a:endCxn id="53" idx="1"/>
+          </p:cNvCxnSpPr>
+          <p:nvPr/>
+        </p:nvCxnSpPr>
+        <p:spPr>
+          <a:xfrm flipV="1">
+            <a:off x="2820188" y="2104653"/>
+            <a:ext cx="2258506" cy="2103321"/>
+          </a:xfrm>
+          <a:prstGeom prst="bentConnector3">
+            <a:avLst/>
+          </a:prstGeom>
+          <a:ln>
+            <a:tailEnd type="triangle"/>
+          </a:ln>
+        </p:spPr>
+        <p:style>
+          <a:lnRef idx="1">
+            <a:schemeClr val="accent1"/>
+          </a:lnRef>
+          <a:fillRef idx="0">
+            <a:schemeClr val="accent1"/>
+          </a:fillRef>
+          <a:effectRef idx="0">
+            <a:schemeClr val="accent1"/>
+          </a:effectRef>
+          <a:fontRef idx="minor">
+            <a:schemeClr val="tx1"/>
+          </a:fontRef>
+        </p:style>
+      </p:cxnSp>
+      <p:sp>
+        <p:nvSpPr>
+          <p:cNvPr id="74" name="TextBox 73">
+            <a:extLst>
+              <a:ext uri="{FF2B5EF4-FFF2-40B4-BE49-F238E27FC236}">
+                <a16:creationId xmlns:a16="http://schemas.microsoft.com/office/drawing/2014/main" id="{C9135D91-CDE4-4634-B662-3CB5D77D6E66}"/>
+              </a:ext>
+            </a:extLst>
+          </p:cNvPr>
+          <p:cNvSpPr txBox="1"/>
+          <p:nvPr/>
+        </p:nvSpPr>
+        <p:spPr>
+          <a:xfrm>
+            <a:off x="4180008" y="1715921"/>
+            <a:ext cx="506870" cy="369332"/>
+          </a:xfrm>
+          <a:prstGeom prst="rect">
+            <a:avLst/>
+          </a:prstGeom>
+          <a:noFill/>
+        </p:spPr>
+        <p:txBody>
+          <a:bodyPr wrap="none" rtlCol="0">
+            <a:spAutoFit/>
+          </a:bodyPr>
+          <a:lstStyle/>
+          <a:p>
+            <a:r>
+              <a:rPr lang="en-US" dirty="0"/>
+              <a:t>ETL</a:t>
+            </a:r>
+            <a:endParaRPr lang="ru-RU" dirty="0"/>
+          </a:p>
+        </p:txBody>
+      </p:sp>
+      <p:cxnSp>
+        <p:nvCxnSpPr>
+          <p:cNvPr id="76" name="Соединитель: уступ 75">
+            <a:extLst>
+              <a:ext uri="{FF2B5EF4-FFF2-40B4-BE49-F238E27FC236}">
+                <a16:creationId xmlns:a16="http://schemas.microsoft.com/office/drawing/2014/main" id="{7B548D51-FD35-4891-A15E-8B92BDCE4D45}"/>
+              </a:ext>
+            </a:extLst>
+          </p:cNvPr>
+          <p:cNvCxnSpPr>
+            <a:cxnSpLocks/>
+            <a:stCxn id="47" idx="3"/>
+            <a:endCxn id="55" idx="1"/>
+          </p:cNvCxnSpPr>
+          <p:nvPr/>
+        </p:nvCxnSpPr>
+        <p:spPr>
+          <a:xfrm flipV="1">
+            <a:off x="2828040" y="3163510"/>
+            <a:ext cx="2250653" cy="1895037"/>
+          </a:xfrm>
+          <a:prstGeom prst="bentConnector3">
+            <a:avLst>
+              <a:gd name="adj1" fmla="val 75969"/>
+            </a:avLst>
+          </a:prstGeom>
+          <a:ln>
+            <a:tailEnd type="triangle"/>
+          </a:ln>
+        </p:spPr>
+        <p:style>
+          <a:lnRef idx="1">
+            <a:schemeClr val="accent1"/>
+          </a:lnRef>
+          <a:fillRef idx="0">
+            <a:schemeClr val="accent1"/>
+          </a:fillRef>
+          <a:effectRef idx="0">
+            <a:schemeClr val="accent1"/>
+          </a:effectRef>
+          <a:fontRef idx="minor">
+            <a:schemeClr val="tx1"/>
+          </a:fontRef>
+        </p:style>
+      </p:cxnSp>
+      <p:cxnSp>
+        <p:nvCxnSpPr>
+          <p:cNvPr id="80" name="Соединитель: уступ 79">
+            <a:extLst>
+              <a:ext uri="{FF2B5EF4-FFF2-40B4-BE49-F238E27FC236}">
+                <a16:creationId xmlns:a16="http://schemas.microsoft.com/office/drawing/2014/main" id="{F9EE6E9E-6404-445E-B354-43F088D6545E}"/>
+              </a:ext>
+            </a:extLst>
+          </p:cNvPr>
+          <p:cNvCxnSpPr>
+            <a:cxnSpLocks/>
+            <a:stCxn id="49" idx="3"/>
+            <a:endCxn id="57" idx="1"/>
+          </p:cNvCxnSpPr>
+          <p:nvPr/>
+        </p:nvCxnSpPr>
+        <p:spPr>
+          <a:xfrm flipV="1">
+            <a:off x="2828040" y="4207973"/>
+            <a:ext cx="2250652" cy="1728007"/>
+          </a:xfrm>
+          <a:prstGeom prst="bentConnector3">
+            <a:avLst>
+              <a:gd name="adj1" fmla="val 86859"/>
+            </a:avLst>
+          </a:prstGeom>
+          <a:ln>
+            <a:tailEnd type="triangle"/>
+          </a:ln>
+        </p:spPr>
+        <p:style>
+          <a:lnRef idx="1">
+            <a:schemeClr val="accent1"/>
+          </a:lnRef>
+          <a:fillRef idx="0">
+            <a:schemeClr val="accent1"/>
+          </a:fillRef>
+          <a:effectRef idx="0">
+            <a:schemeClr val="accent1"/>
+          </a:effectRef>
+          <a:fontRef idx="minor">
+            <a:schemeClr val="tx1"/>
+          </a:fontRef>
+        </p:style>
+      </p:cxnSp>
+      <p:sp>
+        <p:nvSpPr>
+          <p:cNvPr id="84" name="Прямоугольник 83">
+            <a:extLst>
+              <a:ext uri="{FF2B5EF4-FFF2-40B4-BE49-F238E27FC236}">
+                <a16:creationId xmlns:a16="http://schemas.microsoft.com/office/drawing/2014/main" id="{A1DA0337-02CE-4644-8770-DC8C93676A5B}"/>
+              </a:ext>
+            </a:extLst>
+          </p:cNvPr>
+          <p:cNvSpPr/>
+          <p:nvPr/>
+        </p:nvSpPr>
+        <p:spPr>
+          <a:xfrm>
+            <a:off x="9019485" y="2811813"/>
+            <a:ext cx="2155589" cy="703393"/>
+          </a:xfrm>
+          <a:prstGeom prst="rect">
+            <a:avLst/>
+          </a:prstGeom>
+          <a:noFill/>
+        </p:spPr>
+        <p:style>
+          <a:lnRef idx="2">
+            <a:schemeClr val="accent1">
+              <a:shade val="50000"/>
+            </a:schemeClr>
+          </a:lnRef>
+          <a:fillRef idx="1">
+            <a:schemeClr val="accent1"/>
+          </a:fillRef>
+          <a:effectRef idx="0">
+            <a:schemeClr val="accent1"/>
+          </a:effectRef>
+          <a:fontRef idx="minor">
+            <a:schemeClr val="lt1"/>
+          </a:fontRef>
+        </p:style>
+        <p:txBody>
+          <a:bodyPr rtlCol="0" anchor="ctr"/>
+          <a:lstStyle/>
+          <a:p>
+            <a:pPr algn="ctr"/>
+            <a:endParaRPr lang="ru-RU">
+              <a:noFill/>
+            </a:endParaRPr>
+          </a:p>
+        </p:txBody>
+      </p:sp>
+      <p:sp>
+        <p:nvSpPr>
+          <p:cNvPr id="86" name="TextBox 85">
+            <a:extLst>
+              <a:ext uri="{FF2B5EF4-FFF2-40B4-BE49-F238E27FC236}">
+                <a16:creationId xmlns:a16="http://schemas.microsoft.com/office/drawing/2014/main" id="{FF6228F0-2495-4A33-A223-84473B36985F}"/>
+              </a:ext>
+            </a:extLst>
+          </p:cNvPr>
+          <p:cNvSpPr txBox="1"/>
+          <p:nvPr/>
+        </p:nvSpPr>
+        <p:spPr>
+          <a:xfrm>
+            <a:off x="9927598" y="2978058"/>
+            <a:ext cx="657168" cy="369332"/>
+          </a:xfrm>
+          <a:prstGeom prst="rect">
+            <a:avLst/>
+          </a:prstGeom>
+          <a:noFill/>
+        </p:spPr>
+        <p:txBody>
+          <a:bodyPr wrap="none" rtlCol="0">
+            <a:spAutoFit/>
+          </a:bodyPr>
+          <a:lstStyle/>
+          <a:p>
+            <a:r>
+              <a:rPr lang="en-US" dirty="0"/>
+              <a:t>Excel</a:t>
+            </a:r>
+            <a:endParaRPr lang="ru-RU" dirty="0"/>
+          </a:p>
+        </p:txBody>
+      </p:sp>
+      <p:cxnSp>
+        <p:nvCxnSpPr>
+          <p:cNvPr id="88" name="Соединитель: уступ 87">
+            <a:extLst>
+              <a:ext uri="{FF2B5EF4-FFF2-40B4-BE49-F238E27FC236}">
+                <a16:creationId xmlns:a16="http://schemas.microsoft.com/office/drawing/2014/main" id="{AA99F62E-4835-423F-B963-41CD68EF26FA}"/>
+              </a:ext>
+            </a:extLst>
+          </p:cNvPr>
+          <p:cNvCxnSpPr>
+            <a:stCxn id="53" idx="3"/>
+            <a:endCxn id="84" idx="1"/>
+          </p:cNvCxnSpPr>
+          <p:nvPr/>
+        </p:nvCxnSpPr>
+        <p:spPr>
+          <a:xfrm>
+            <a:off x="7234283" y="2104653"/>
+            <a:ext cx="1785202" cy="1058857"/>
+          </a:xfrm>
+          <a:prstGeom prst="bentConnector3">
+            <a:avLst/>
+          </a:prstGeom>
+          <a:ln>
+            <a:tailEnd type="triangle"/>
+          </a:ln>
+        </p:spPr>
+        <p:style>
+          <a:lnRef idx="1">
+            <a:schemeClr val="accent1"/>
+          </a:lnRef>
+          <a:fillRef idx="0">
+            <a:schemeClr val="accent1"/>
+          </a:fillRef>
+          <a:effectRef idx="0">
+            <a:schemeClr val="accent1"/>
+          </a:effectRef>
+          <a:fontRef idx="minor">
+            <a:schemeClr val="tx1"/>
+          </a:fontRef>
+        </p:style>
+      </p:cxnSp>
+      <p:cxnSp>
+        <p:nvCxnSpPr>
+          <p:cNvPr id="90" name="Прямая со стрелкой 89">
+            <a:extLst>
+              <a:ext uri="{FF2B5EF4-FFF2-40B4-BE49-F238E27FC236}">
+                <a16:creationId xmlns:a16="http://schemas.microsoft.com/office/drawing/2014/main" id="{1081DECF-9C19-436E-A408-BC1EA7CCA428}"/>
+              </a:ext>
+            </a:extLst>
+          </p:cNvPr>
+          <p:cNvCxnSpPr>
+            <a:stCxn id="55" idx="3"/>
+            <a:endCxn id="84" idx="1"/>
+          </p:cNvCxnSpPr>
+          <p:nvPr/>
+        </p:nvCxnSpPr>
+        <p:spPr>
+          <a:xfrm>
+            <a:off x="7234282" y="3163510"/>
+            <a:ext cx="1785203" cy="0"/>
+          </a:xfrm>
+          <a:prstGeom prst="straightConnector1">
+            <a:avLst/>
+          </a:prstGeom>
+          <a:ln>
+            <a:tailEnd type="triangle"/>
+          </a:ln>
+        </p:spPr>
+        <p:style>
+          <a:lnRef idx="1">
+            <a:schemeClr val="accent1"/>
+          </a:lnRef>
+          <a:fillRef idx="0">
+            <a:schemeClr val="accent1"/>
+          </a:fillRef>
+          <a:effectRef idx="0">
+            <a:schemeClr val="accent1"/>
+          </a:effectRef>
+          <a:fontRef idx="minor">
+            <a:schemeClr val="tx1"/>
+          </a:fontRef>
+        </p:style>
+      </p:cxnSp>
+      <p:cxnSp>
+        <p:nvCxnSpPr>
+          <p:cNvPr id="92" name="Соединитель: уступ 91">
+            <a:extLst>
+              <a:ext uri="{FF2B5EF4-FFF2-40B4-BE49-F238E27FC236}">
+                <a16:creationId xmlns:a16="http://schemas.microsoft.com/office/drawing/2014/main" id="{F848C860-E30B-44BB-92E7-B8FABFB1202E}"/>
+              </a:ext>
+            </a:extLst>
+          </p:cNvPr>
+          <p:cNvCxnSpPr>
+            <a:stCxn id="57" idx="3"/>
+            <a:endCxn id="84" idx="1"/>
+          </p:cNvCxnSpPr>
+          <p:nvPr/>
+        </p:nvCxnSpPr>
+        <p:spPr>
+          <a:xfrm flipV="1">
+            <a:off x="7234281" y="3163510"/>
+            <a:ext cx="1785204" cy="1044463"/>
+          </a:xfrm>
+          <a:prstGeom prst="bentConnector3">
+            <a:avLst/>
+          </a:prstGeom>
+          <a:ln>
+            <a:tailEnd type="triangle"/>
+          </a:ln>
+        </p:spPr>
+        <p:style>
+          <a:lnRef idx="1">
+            <a:schemeClr val="accent1"/>
+          </a:lnRef>
+          <a:fillRef idx="0">
+            <a:schemeClr val="accent1"/>
+          </a:fillRef>
+          <a:effectRef idx="0">
+            <a:schemeClr val="accent1"/>
+          </a:effectRef>
+          <a:fontRef idx="minor">
+            <a:schemeClr val="tx1"/>
+          </a:fontRef>
+        </p:style>
+      </p:cxnSp>
+      <p:sp>
+        <p:nvSpPr>
+          <p:cNvPr id="94" name="TextBox 93">
+            <a:extLst>
+              <a:ext uri="{FF2B5EF4-FFF2-40B4-BE49-F238E27FC236}">
+                <a16:creationId xmlns:a16="http://schemas.microsoft.com/office/drawing/2014/main" id="{06D9A35D-857C-43DD-9CEB-D41BB84D70F2}"/>
+              </a:ext>
+            </a:extLst>
+          </p:cNvPr>
+          <p:cNvSpPr txBox="1"/>
+          <p:nvPr/>
+        </p:nvSpPr>
+        <p:spPr>
+          <a:xfrm>
+            <a:off x="8461427" y="2717596"/>
+            <a:ext cx="506870" cy="369332"/>
+          </a:xfrm>
+          <a:prstGeom prst="rect">
+            <a:avLst/>
+          </a:prstGeom>
+          <a:noFill/>
+        </p:spPr>
+        <p:txBody>
+          <a:bodyPr wrap="none" rtlCol="0">
+            <a:spAutoFit/>
+          </a:bodyPr>
+          <a:lstStyle/>
+          <a:p>
+            <a:r>
+              <a:rPr lang="en-US" dirty="0"/>
+              <a:t>ETL</a:t>
+            </a:r>
+            <a:endParaRPr lang="ru-RU" dirty="0"/>
           </a:p>
         </p:txBody>
       </p:sp>
